--- a/Project Presentation.pptx
+++ b/Project Presentation.pptx
@@ -16627,7 +16627,7 @@
         </p:nvSpPr>
         <p:spPr>
           <a:xfrm>
-            <a:off x="0" y="2189050"/>
+            <a:off x="152400" y="2189050"/>
             <a:ext cx="11815800" cy="4681800"/>
           </a:xfrm>
           <a:prstGeom prst="rect">
@@ -16636,11 +16636,11 @@
         </p:spPr>
         <p:txBody>
           <a:bodyPr anchorCtr="0" anchor="t" bIns="45700" lIns="91425" spcFirstLastPara="1" rIns="91425" wrap="square" tIns="45700">
-            <a:normAutofit lnSpcReduction="10000"/>
+            <a:normAutofit/>
           </a:bodyPr>
           <a:lstStyle/>
           <a:p>
-            <a:pPr indent="0" lvl="0" marL="457200" rtl="0" algn="l">
+            <a:pPr indent="0" lvl="0" marL="0" rtl="0" algn="l">
               <a:spcBef>
                 <a:spcPts val="0"/>
               </a:spcBef>
@@ -16656,7 +16656,16 @@
                 <a:cs typeface="Times New Roman"/>
                 <a:sym typeface="Times New Roman"/>
               </a:rPr>
-              <a:t>The Data set is binary and linear in nature,hence we are using regression models to distinguishing the data.</a:t>
+              <a:t>   </a:t>
+            </a:r>
+            <a:r>
+              <a:rPr lang="en-US" sz="2000">
+                <a:latin typeface="Times New Roman"/>
+                <a:ea typeface="Times New Roman"/>
+                <a:cs typeface="Times New Roman"/>
+                <a:sym typeface="Times New Roman"/>
+              </a:rPr>
+              <a:t>The Data set is binary and linear in nature, hence we are using regression models to distinguishing the data.</a:t>
             </a:r>
             <a:endParaRPr sz="2000">
               <a:latin typeface="Times New Roman"/>
@@ -16676,13 +16685,62 @@
               <a:buNone/>
             </a:pPr>
             <a:r>
+              <a:t/>
+            </a:r>
+            <a:endParaRPr sz="2000">
+              <a:latin typeface="Times New Roman"/>
+              <a:ea typeface="Times New Roman"/>
+              <a:cs typeface="Times New Roman"/>
+              <a:sym typeface="Times New Roman"/>
+            </a:endParaRPr>
+          </a:p>
+          <a:p>
+            <a:pPr indent="0" lvl="0" marL="0" rtl="0" algn="l">
+              <a:spcBef>
+                <a:spcPts val="0"/>
+              </a:spcBef>
+              <a:spcAft>
+                <a:spcPts val="0"/>
+              </a:spcAft>
+              <a:buNone/>
+            </a:pPr>
+            <a:r>
               <a:rPr lang="en-US" sz="2000">
                 <a:latin typeface="Times New Roman"/>
                 <a:ea typeface="Times New Roman"/>
                 <a:cs typeface="Times New Roman"/>
                 <a:sym typeface="Times New Roman"/>
               </a:rPr>
+              <a:t>    </a:t>
+            </a:r>
+            <a:r>
+              <a:rPr b="1" lang="en-US" sz="2000">
+                <a:latin typeface="Times New Roman"/>
+                <a:ea typeface="Times New Roman"/>
+                <a:cs typeface="Times New Roman"/>
+                <a:sym typeface="Times New Roman"/>
+              </a:rPr>
               <a:t>Model blueprint :</a:t>
+            </a:r>
+            <a:endParaRPr b="1" sz="2000">
+              <a:latin typeface="Times New Roman"/>
+              <a:ea typeface="Times New Roman"/>
+              <a:cs typeface="Times New Roman"/>
+              <a:sym typeface="Times New Roman"/>
+            </a:endParaRPr>
+          </a:p>
+          <a:p>
+            <a:pPr indent="0" lvl="0" marL="457200" rtl="0" algn="l">
+              <a:spcBef>
+                <a:spcPts val="0"/>
+              </a:spcBef>
+              <a:spcAft>
+                <a:spcPts val="0"/>
+              </a:spcAft>
+              <a:buNone/>
+            </a:pPr>
+            <a:r>
+              <a:t/>
             </a:r>
             <a:endParaRPr sz="2000">
               <a:latin typeface="Times New Roman"/>
@@ -16752,87 +16810,7 @@
             </a:endParaRPr>
           </a:p>
           <a:p>
-            <a:pPr indent="0" lvl="0" marL="457200" rtl="0" algn="l">
-              <a:spcBef>
-                <a:spcPts val="0"/>
-              </a:spcBef>
-              <a:spcAft>
-                <a:spcPts val="0"/>
-              </a:spcAft>
-              <a:buNone/>
-            </a:pPr>
-            <a:r>
-              <a:t/>
-            </a:r>
-            <a:endParaRPr sz="2000">
-              <a:latin typeface="Times New Roman"/>
-              <a:ea typeface="Times New Roman"/>
-              <a:cs typeface="Times New Roman"/>
-              <a:sym typeface="Times New Roman"/>
-            </a:endParaRPr>
-          </a:p>
-          <a:p>
-            <a:pPr indent="0" lvl="0" marL="457200" rtl="0" algn="l">
-              <a:spcBef>
-                <a:spcPts val="0"/>
-              </a:spcBef>
-              <a:spcAft>
-                <a:spcPts val="0"/>
-              </a:spcAft>
-              <a:buNone/>
-            </a:pPr>
-            <a:r>
-              <a:t/>
-            </a:r>
-            <a:endParaRPr sz="2000">
-              <a:latin typeface="Times New Roman"/>
-              <a:ea typeface="Times New Roman"/>
-              <a:cs typeface="Times New Roman"/>
-              <a:sym typeface="Times New Roman"/>
-            </a:endParaRPr>
-          </a:p>
-          <a:p>
-            <a:pPr indent="0" lvl="0" marL="457200" rtl="0" algn="l">
-              <a:spcBef>
-                <a:spcPts val="0"/>
-              </a:spcBef>
-              <a:spcAft>
-                <a:spcPts val="0"/>
-              </a:spcAft>
-              <a:buNone/>
-            </a:pPr>
-            <a:r>
-              <a:t/>
-            </a:r>
-            <a:endParaRPr sz="2000">
-              <a:latin typeface="Times New Roman"/>
-              <a:ea typeface="Times New Roman"/>
-              <a:cs typeface="Times New Roman"/>
-              <a:sym typeface="Times New Roman"/>
-            </a:endParaRPr>
-          </a:p>
-          <a:p>
-            <a:pPr indent="0" lvl="0" marL="457200" rtl="0" algn="l">
-              <a:spcBef>
-                <a:spcPts val="0"/>
-              </a:spcBef>
-              <a:spcAft>
-                <a:spcPts val="0"/>
-              </a:spcAft>
-              <a:buNone/>
-            </a:pPr>
-            <a:r>
-              <a:t/>
-            </a:r>
-            <a:endParaRPr sz="2000">
-              <a:latin typeface="Times New Roman"/>
-              <a:ea typeface="Times New Roman"/>
-              <a:cs typeface="Times New Roman"/>
-              <a:sym typeface="Times New Roman"/>
-            </a:endParaRPr>
-          </a:p>
-          <a:p>
-            <a:pPr indent="0" lvl="0" marL="228600" rtl="0" algn="l">
+            <a:pPr indent="0" lvl="0" marL="0" rtl="0" algn="l">
               <a:spcBef>
                 <a:spcPts val="0"/>
               </a:spcBef>
@@ -16972,8 +16950,8 @@
         </p:nvSpPr>
         <p:spPr>
           <a:xfrm>
-            <a:off x="1058200" y="3218725"/>
-            <a:ext cx="2248800" cy="1058400"/>
+            <a:off x="524800" y="3312675"/>
+            <a:ext cx="2248800" cy="1193100"/>
           </a:xfrm>
           <a:prstGeom prst="rect">
             <a:avLst/>
@@ -17165,7 +17143,7 @@
         </p:nvSpPr>
         <p:spPr>
           <a:xfrm>
-            <a:off x="3378125" y="3554725"/>
+            <a:off x="2844725" y="3783325"/>
             <a:ext cx="569700" cy="254400"/>
           </a:xfrm>
           <a:prstGeom prst="rightArrow">
@@ -17217,8 +17195,8 @@
         </p:nvSpPr>
         <p:spPr>
           <a:xfrm>
-            <a:off x="4013975" y="3084075"/>
-            <a:ext cx="2268900" cy="1366200"/>
+            <a:off x="9306575" y="2969325"/>
+            <a:ext cx="2268900" cy="1303800"/>
           </a:xfrm>
           <a:prstGeom prst="rect">
             <a:avLst/>
@@ -17324,34 +17302,6 @@
               </a:rPr>
               <a:t> in the dataframe.</a:t>
             </a:r>
-            <a:endParaRPr b="1" sz="1500">
-              <a:solidFill>
-                <a:schemeClr val="dk1"/>
-              </a:solidFill>
-              <a:latin typeface="Times New Roman"/>
-              <a:ea typeface="Times New Roman"/>
-              <a:cs typeface="Times New Roman"/>
-              <a:sym typeface="Times New Roman"/>
-            </a:endParaRPr>
-          </a:p>
-          <a:p>
-            <a:pPr indent="0" lvl="0" marL="0" rtl="0" algn="l">
-              <a:spcBef>
-                <a:spcPts val="0"/>
-              </a:spcBef>
-              <a:spcAft>
-                <a:spcPts val="0"/>
-              </a:spcAft>
-              <a:buClr>
-                <a:schemeClr val="dk1"/>
-              </a:buClr>
-              <a:buSzPts val="1100"/>
-              <a:buFont typeface="Arial"/>
-              <a:buNone/>
-            </a:pPr>
-            <a:r>
-              <a:t/>
-            </a:r>
             <a:endParaRPr>
               <a:solidFill>
                 <a:schemeClr val="dk1"/>
@@ -17368,7 +17318,7 @@
         </p:nvSpPr>
         <p:spPr>
           <a:xfrm>
-            <a:off x="6965625" y="3310525"/>
+            <a:off x="3491863" y="3539125"/>
             <a:ext cx="2248800" cy="742800"/>
           </a:xfrm>
           <a:prstGeom prst="rect">
@@ -17495,7 +17445,7 @@
         </p:nvSpPr>
         <p:spPr>
           <a:xfrm>
-            <a:off x="9848775" y="3218725"/>
+            <a:off x="6465225" y="3539125"/>
             <a:ext cx="2248800" cy="742800"/>
           </a:xfrm>
           <a:prstGeom prst="rect">
@@ -17611,7 +17561,7 @@
         </p:nvSpPr>
         <p:spPr>
           <a:xfrm>
-            <a:off x="6351500" y="3554725"/>
+            <a:off x="5818100" y="3783325"/>
             <a:ext cx="569700" cy="254400"/>
           </a:xfrm>
           <a:prstGeom prst="rightArrow">
@@ -17663,7 +17613,7 @@
         </p:nvSpPr>
         <p:spPr>
           <a:xfrm>
-            <a:off x="9258850" y="3554725"/>
+            <a:off x="8725450" y="3783325"/>
             <a:ext cx="569700" cy="254400"/>
           </a:xfrm>
           <a:prstGeom prst="rightArrow">
@@ -17715,7 +17665,7 @@
         </p:nvSpPr>
         <p:spPr>
           <a:xfrm>
-            <a:off x="9828550" y="4531225"/>
+            <a:off x="9295150" y="4759825"/>
             <a:ext cx="2363400" cy="1058400"/>
           </a:xfrm>
           <a:prstGeom prst="rect">
@@ -17831,7 +17781,59 @@
         </p:nvSpPr>
         <p:spPr>
           <a:xfrm rot="5400000">
-            <a:off x="10688325" y="4119175"/>
+            <a:off x="10196475" y="4389275"/>
+            <a:ext cx="486600" cy="254400"/>
+          </a:xfrm>
+          <a:prstGeom prst="rightArrow">
+            <a:avLst>
+              <a:gd fmla="val 50000" name="adj1"/>
+              <a:gd fmla="val 50000" name="adj2"/>
+            </a:avLst>
+          </a:prstGeom>
+          <a:solidFill>
+            <a:schemeClr val="lt2"/>
+          </a:solidFill>
+          <a:ln cap="flat" cmpd="sng" w="9525">
+            <a:solidFill>
+              <a:schemeClr val="dk2"/>
+            </a:solidFill>
+            <a:prstDash val="solid"/>
+            <a:round/>
+            <a:headEnd len="sm" w="sm" type="none"/>
+            <a:tailEnd len="sm" w="sm" type="none"/>
+          </a:ln>
+        </p:spPr>
+        <p:txBody>
+          <a:bodyPr anchorCtr="0" anchor="ctr" bIns="91425" lIns="91425" spcFirstLastPara="1" rIns="91425" wrap="square" tIns="91425">
+            <a:noAutofit/>
+          </a:bodyPr>
+          <a:lstStyle/>
+          <a:p>
+            <a:pPr indent="0" lvl="0" marL="0" rtl="0" algn="l">
+              <a:spcBef>
+                <a:spcPts val="0"/>
+              </a:spcBef>
+              <a:spcAft>
+                <a:spcPts val="0"/>
+              </a:spcAft>
+              <a:buNone/>
+            </a:pPr>
+            <a:r>
+              <a:t/>
+            </a:r>
+            <a:endParaRPr/>
+          </a:p>
+        </p:txBody>
+      </p:sp>
+      <p:sp>
+        <p:nvSpPr>
+          <p:cNvPr id="189" name="Google Shape;189;p24"/>
+          <p:cNvSpPr/>
+          <p:nvPr/>
+        </p:nvSpPr>
+        <p:spPr>
+          <a:xfrm rot="10800000">
+            <a:off x="8648800" y="5100775"/>
             <a:ext cx="569700" cy="254400"/>
           </a:xfrm>
           <a:prstGeom prst="rightArrow">
@@ -17877,65 +17879,13 @@
       </p:sp>
       <p:sp>
         <p:nvSpPr>
-          <p:cNvPr id="189" name="Google Shape;189;p24"/>
-          <p:cNvSpPr/>
-          <p:nvPr/>
-        </p:nvSpPr>
-        <p:spPr>
-          <a:xfrm rot="10800000">
-            <a:off x="9182200" y="4872175"/>
-            <a:ext cx="569700" cy="254400"/>
-          </a:xfrm>
-          <a:prstGeom prst="rightArrow">
-            <a:avLst>
-              <a:gd fmla="val 50000" name="adj1"/>
-              <a:gd fmla="val 50000" name="adj2"/>
-            </a:avLst>
-          </a:prstGeom>
-          <a:solidFill>
-            <a:schemeClr val="lt2"/>
-          </a:solidFill>
-          <a:ln cap="flat" cmpd="sng" w="9525">
-            <a:solidFill>
-              <a:schemeClr val="dk2"/>
-            </a:solidFill>
-            <a:prstDash val="solid"/>
-            <a:round/>
-            <a:headEnd len="sm" w="sm" type="none"/>
-            <a:tailEnd len="sm" w="sm" type="none"/>
-          </a:ln>
-        </p:spPr>
-        <p:txBody>
-          <a:bodyPr anchorCtr="0" anchor="ctr" bIns="91425" lIns="91425" spcFirstLastPara="1" rIns="91425" wrap="square" tIns="91425">
-            <a:noAutofit/>
-          </a:bodyPr>
-          <a:lstStyle/>
-          <a:p>
-            <a:pPr indent="0" lvl="0" marL="0" rtl="0" algn="l">
-              <a:spcBef>
-                <a:spcPts val="0"/>
-              </a:spcBef>
-              <a:spcAft>
-                <a:spcPts val="0"/>
-              </a:spcAft>
-              <a:buNone/>
-            </a:pPr>
-            <a:r>
-              <a:t/>
-            </a:r>
-            <a:endParaRPr/>
-          </a:p>
-        </p:txBody>
-      </p:sp>
-      <p:sp>
-        <p:nvSpPr>
           <p:cNvPr id="190" name="Google Shape;190;p24"/>
           <p:cNvSpPr/>
           <p:nvPr/>
         </p:nvSpPr>
         <p:spPr>
           <a:xfrm>
-            <a:off x="6742150" y="4637850"/>
+            <a:off x="6284950" y="4790250"/>
             <a:ext cx="2363400" cy="936300"/>
           </a:xfrm>
           <a:prstGeom prst="rect">
@@ -18364,7 +18314,7 @@
         </p:blipFill>
         <p:spPr>
           <a:xfrm>
-            <a:off x="528712" y="4156150"/>
+            <a:off x="604912" y="4003750"/>
             <a:ext cx="3823175" cy="2620504"/>
           </a:xfrm>
           <a:prstGeom prst="rect">
@@ -18384,7 +18334,7 @@
         </p:nvSpPr>
         <p:spPr>
           <a:xfrm>
-            <a:off x="4351875" y="5564075"/>
+            <a:off x="4275675" y="5564075"/>
             <a:ext cx="5938200" cy="1015800"/>
           </a:xfrm>
           <a:prstGeom prst="rect">
@@ -18591,8 +18541,8 @@
         </p:blipFill>
         <p:spPr>
           <a:xfrm>
-            <a:off x="583900" y="3301400"/>
-            <a:ext cx="4415925" cy="3225500"/>
+            <a:off x="583900" y="3212350"/>
+            <a:ext cx="4415925" cy="3314550"/>
           </a:xfrm>
           <a:prstGeom prst="rect">
             <a:avLst/>
@@ -18687,7 +18637,7 @@
                 <a:cs typeface="Times New Roman"/>
                 <a:sym typeface="Times New Roman"/>
               </a:rPr>
-              <a:t>Alcohol Drinking,Age, Gender and Daily Exercise </a:t>
+              <a:t>Alcohol Drinking, Age, Gender and Daily Exercise </a:t>
             </a:r>
             <a:endParaRPr sz="1800">
               <a:latin typeface="Times New Roman"/>
@@ -18715,7 +18665,7 @@
                 <a:cs typeface="Times New Roman"/>
                 <a:sym typeface="Times New Roman"/>
               </a:rPr>
-              <a:t>Y_train = historic heart disease data </a:t>
+              <a:t>Y_train = Historic heart disease data </a:t>
             </a:r>
             <a:endParaRPr sz="1800">
               <a:latin typeface="Times New Roman"/>
@@ -18734,8 +18684,8 @@
         </p:nvSpPr>
         <p:spPr>
           <a:xfrm>
-            <a:off x="5186075" y="3133200"/>
-            <a:ext cx="6843600" cy="3724800"/>
+            <a:off x="5171125" y="2889950"/>
+            <a:ext cx="6662400" cy="4032900"/>
           </a:xfrm>
           <a:prstGeom prst="rect">
             <a:avLst/>
@@ -18777,6 +18727,26 @@
             </a:endParaRPr>
           </a:p>
           <a:p>
+            <a:pPr indent="0" lvl="0" marL="0" rtl="0" algn="l">
+              <a:spcBef>
+                <a:spcPts val="0"/>
+              </a:spcBef>
+              <a:spcAft>
+                <a:spcPts val="0"/>
+              </a:spcAft>
+              <a:buNone/>
+            </a:pPr>
+            <a:r>
+              <a:t/>
+            </a:r>
+            <a:endParaRPr b="1">
+              <a:latin typeface="Times New Roman"/>
+              <a:ea typeface="Times New Roman"/>
+              <a:cs typeface="Times New Roman"/>
+              <a:sym typeface="Times New Roman"/>
+            </a:endParaRPr>
+          </a:p>
+          <a:p>
             <a:pPr indent="-342900" lvl="0" marL="457200" rtl="0" algn="l">
               <a:spcBef>
                 <a:spcPts val="0"/>
@@ -18786,7 +18756,7 @@
               </a:spcAft>
               <a:buSzPts val="1800"/>
               <a:buFont typeface="Avenir"/>
-              <a:buAutoNum type="arabicPeriod"/>
+              <a:buChar char="➢"/>
             </a:pPr>
             <a:r>
               <a:rPr b="1" lang="en-US" sz="1800">
@@ -18871,6 +18841,90 @@
                 <a:sym typeface="Times New Roman"/>
               </a:rPr>
               <a:t>prediction.</a:t>
+            </a:r>
+            <a:endParaRPr sz="1800">
+              <a:solidFill>
+                <a:schemeClr val="dk1"/>
+              </a:solidFill>
+              <a:highlight>
+                <a:srgbClr val="FFFFFF"/>
+              </a:highlight>
+              <a:latin typeface="Times New Roman"/>
+              <a:ea typeface="Times New Roman"/>
+              <a:cs typeface="Times New Roman"/>
+              <a:sym typeface="Times New Roman"/>
+            </a:endParaRPr>
+          </a:p>
+          <a:p>
+            <a:pPr indent="0" lvl="0" marL="0" rtl="0" algn="l">
+              <a:spcBef>
+                <a:spcPts val="0"/>
+              </a:spcBef>
+              <a:spcAft>
+                <a:spcPts val="0"/>
+              </a:spcAft>
+              <a:buNone/>
+            </a:pPr>
+            <a:r>
+              <a:t/>
+            </a:r>
+            <a:endParaRPr>
+              <a:solidFill>
+                <a:schemeClr val="dk1"/>
+              </a:solidFill>
+              <a:highlight>
+                <a:srgbClr val="FFFFFF"/>
+              </a:highlight>
+              <a:latin typeface="Times New Roman"/>
+              <a:ea typeface="Times New Roman"/>
+              <a:cs typeface="Times New Roman"/>
+              <a:sym typeface="Times New Roman"/>
+            </a:endParaRPr>
+          </a:p>
+          <a:p>
+            <a:pPr indent="-342900" lvl="0" marL="457200" rtl="0" algn="l">
+              <a:spcBef>
+                <a:spcPts val="0"/>
+              </a:spcBef>
+              <a:spcAft>
+                <a:spcPts val="0"/>
+              </a:spcAft>
+              <a:buClr>
+                <a:schemeClr val="dk1"/>
+              </a:buClr>
+              <a:buSzPts val="1800"/>
+              <a:buFont typeface="Avenir"/>
+              <a:buChar char="➢"/>
+            </a:pPr>
+            <a:r>
+              <a:rPr b="1" lang="en-US" sz="1800">
+                <a:solidFill>
+                  <a:schemeClr val="dk1"/>
+                </a:solidFill>
+                <a:highlight>
+                  <a:srgbClr val="FFFFFF"/>
+                </a:highlight>
+                <a:latin typeface="Times New Roman"/>
+                <a:ea typeface="Times New Roman"/>
+                <a:cs typeface="Times New Roman"/>
+                <a:sym typeface="Times New Roman"/>
+              </a:rPr>
+              <a:t>Recall: </a:t>
+            </a:r>
+            <a:r>
+              <a:rPr lang="en-US" sz="1800">
+                <a:solidFill>
+                  <a:schemeClr val="dk1"/>
+                </a:solidFill>
+                <a:highlight>
+                  <a:srgbClr val="FFFFFF"/>
+                </a:highlight>
+                <a:latin typeface="Times New Roman"/>
+                <a:ea typeface="Times New Roman"/>
+                <a:cs typeface="Times New Roman"/>
+                <a:sym typeface="Times New Roman"/>
+              </a:rPr>
+              <a:t>It was able to predict outcome “1” with 24% and “0” with 95% relative to total actual positive.</a:t>
             </a:r>
             <a:endParaRPr sz="1800">
               <a:solidFill>
@@ -18898,7 +18952,7 @@
             <a:r>
               <a:t/>
             </a:r>
-            <a:endParaRPr sz="1800">
+            <a:endParaRPr>
               <a:solidFill>
                 <a:schemeClr val="dk1"/>
               </a:solidFill>
@@ -18923,8 +18977,7 @@
                 <a:schemeClr val="dk1"/>
               </a:buClr>
               <a:buSzPts val="1800"/>
-              <a:buFont typeface="Avenir"/>
-              <a:buAutoNum type="arabicPeriod"/>
+              <a:buChar char="➢"/>
             </a:pPr>
             <a:r>
               <a:rPr b="1" lang="en-US" sz="1800">
@@ -18939,7 +18992,7 @@
                 <a:cs typeface="Times New Roman"/>
                 <a:sym typeface="Times New Roman"/>
               </a:rPr>
-              <a:t>Recall: </a:t>
+              <a:t>F1-Score: </a:t>
             </a:r>
             <a:r>
               <a:rPr lang="en-US" sz="1800">
@@ -18954,7 +19007,7 @@
                 <a:cs typeface="Times New Roman"/>
                 <a:sym typeface="Times New Roman"/>
               </a:rPr>
-              <a:t>It was able to predict outcome “1” with 24% and “0” with 95% relative to total actual positive.</a:t>
+              <a:t>A weighted harmonic mean of precision and recall. The closer to 1, the better the model. we got .24 for “1” and .94 for “0”</a:t>
             </a:r>
             <a:endParaRPr sz="1800">
               <a:solidFill>
@@ -18982,90 +19035,7 @@
             <a:r>
               <a:t/>
             </a:r>
-            <a:endParaRPr sz="1800">
-              <a:solidFill>
-                <a:schemeClr val="dk1"/>
-              </a:solidFill>
-              <a:highlight>
-                <a:srgbClr val="FFFFFF"/>
-              </a:highlight>
-              <a:latin typeface="Times New Roman"/>
-              <a:ea typeface="Times New Roman"/>
-              <a:cs typeface="Times New Roman"/>
-              <a:sym typeface="Times New Roman"/>
-            </a:endParaRPr>
-          </a:p>
-          <a:p>
-            <a:pPr indent="-342900" lvl="0" marL="457200" rtl="0" algn="l">
-              <a:spcBef>
-                <a:spcPts val="0"/>
-              </a:spcBef>
-              <a:spcAft>
-                <a:spcPts val="0"/>
-              </a:spcAft>
-              <a:buClr>
-                <a:schemeClr val="dk1"/>
-              </a:buClr>
-              <a:buSzPts val="1800"/>
-              <a:buAutoNum type="arabicPeriod"/>
-            </a:pPr>
-            <a:r>
-              <a:rPr b="1" lang="en-US" sz="1800">
-                <a:solidFill>
-                  <a:schemeClr val="dk1"/>
-                </a:solidFill>
-                <a:highlight>
-                  <a:srgbClr val="FFFFFF"/>
-                </a:highlight>
-                <a:latin typeface="Times New Roman"/>
-                <a:ea typeface="Times New Roman"/>
-                <a:cs typeface="Times New Roman"/>
-                <a:sym typeface="Times New Roman"/>
-              </a:rPr>
-              <a:t>F1-Score: </a:t>
-            </a:r>
-            <a:r>
-              <a:rPr lang="en-US" sz="1800">
-                <a:solidFill>
-                  <a:schemeClr val="dk1"/>
-                </a:solidFill>
-                <a:highlight>
-                  <a:srgbClr val="FFFFFF"/>
-                </a:highlight>
-                <a:latin typeface="Times New Roman"/>
-                <a:ea typeface="Times New Roman"/>
-                <a:cs typeface="Times New Roman"/>
-                <a:sym typeface="Times New Roman"/>
-              </a:rPr>
-              <a:t>A weighted harmonic mean of precision and recall. The closer to 1, the better the model. we got .24 for “1” and .94 for “0”</a:t>
-            </a:r>
-            <a:endParaRPr sz="1800">
-              <a:solidFill>
-                <a:schemeClr val="dk1"/>
-              </a:solidFill>
-              <a:highlight>
-                <a:srgbClr val="FFFFFF"/>
-              </a:highlight>
-              <a:latin typeface="Times New Roman"/>
-              <a:ea typeface="Times New Roman"/>
-              <a:cs typeface="Times New Roman"/>
-              <a:sym typeface="Times New Roman"/>
-            </a:endParaRPr>
-          </a:p>
-          <a:p>
-            <a:pPr indent="0" lvl="0" marL="0" rtl="0" algn="l">
-              <a:spcBef>
-                <a:spcPts val="0"/>
-              </a:spcBef>
-              <a:spcAft>
-                <a:spcPts val="0"/>
-              </a:spcAft>
-              <a:buNone/>
-            </a:pPr>
-            <a:r>
-              <a:t/>
-            </a:r>
-            <a:endParaRPr sz="1800">
+            <a:endParaRPr>
               <a:solidFill>
                 <a:schemeClr val="dk1"/>
               </a:solidFill>
@@ -19362,7 +19332,7 @@
                 <a:cs typeface="Times New Roman"/>
                 <a:sym typeface="Times New Roman"/>
               </a:rPr>
-              <a:t>X_train = BMI, General Health,  Race ,Smoking,  Alcohol Drinking,Age, Gender and Daily Exercise </a:t>
+              <a:t>X_train = BMI, General Health,  Race , Smoking,  Alcohol Drinking, Age, Gender and Daily Exercise </a:t>
             </a:r>
             <a:endParaRPr sz="1800">
               <a:latin typeface="Times New Roman"/>
@@ -19393,7 +19363,7 @@
                 <a:cs typeface="Times New Roman"/>
                 <a:sym typeface="Times New Roman"/>
               </a:rPr>
-              <a:t>Y_train = historic heart disease data </a:t>
+              <a:t>Y_train = Historic heart disease data </a:t>
             </a:r>
             <a:endParaRPr sz="1800">
               <a:latin typeface="Times New Roman"/>
@@ -19420,8 +19390,8 @@
         </p:blipFill>
         <p:spPr>
           <a:xfrm>
-            <a:off x="501750" y="3340875"/>
-            <a:ext cx="4906500" cy="3270225"/>
+            <a:off x="501750" y="3177950"/>
+            <a:ext cx="4906500" cy="3433150"/>
           </a:xfrm>
           <a:prstGeom prst="rect">
             <a:avLst/>
@@ -19446,8 +19416,8 @@
         </p:nvSpPr>
         <p:spPr>
           <a:xfrm>
-            <a:off x="5789400" y="3177950"/>
-            <a:ext cx="6402300" cy="3509400"/>
+            <a:off x="5683325" y="3003175"/>
+            <a:ext cx="6059100" cy="3540300"/>
           </a:xfrm>
           <a:prstGeom prst="rect">
             <a:avLst/>
@@ -19500,6 +19470,34 @@
             </a:endParaRPr>
           </a:p>
           <a:p>
+            <a:pPr indent="0" lvl="0" marL="0" rtl="0" algn="l">
+              <a:spcBef>
+                <a:spcPts val="0"/>
+              </a:spcBef>
+              <a:spcAft>
+                <a:spcPts val="0"/>
+              </a:spcAft>
+              <a:buClr>
+                <a:schemeClr val="dk1"/>
+              </a:buClr>
+              <a:buSzPts val="1100"/>
+              <a:buFont typeface="Arial"/>
+              <a:buNone/>
+            </a:pPr>
+            <a:r>
+              <a:t/>
+            </a:r>
+            <a:endParaRPr b="1">
+              <a:solidFill>
+                <a:schemeClr val="dk1"/>
+              </a:solidFill>
+              <a:latin typeface="Times New Roman"/>
+              <a:ea typeface="Times New Roman"/>
+              <a:cs typeface="Times New Roman"/>
+              <a:sym typeface="Times New Roman"/>
+            </a:endParaRPr>
+          </a:p>
+          <a:p>
             <a:pPr indent="-342900" lvl="0" marL="457200" rtl="0" algn="l">
               <a:spcBef>
                 <a:spcPts val="0"/>
@@ -19511,8 +19509,8 @@
                 <a:schemeClr val="dk1"/>
               </a:buClr>
               <a:buSzPts val="1800"/>
-              <a:buFont typeface="Avenir"/>
-              <a:buAutoNum type="arabicPeriod"/>
+              <a:buFont typeface="Times New Roman"/>
+              <a:buChar char="➢"/>
             </a:pPr>
             <a:r>
               <a:rPr b="1" lang="en-US" sz="1800">
@@ -19555,6 +19553,90 @@
                 <a:sym typeface="Times New Roman"/>
               </a:rPr>
               <a:t>It was able to predict outcome “1” with 76% and “0” with 78% relative to total positive prediction.</a:t>
+            </a:r>
+            <a:endParaRPr sz="1800">
+              <a:solidFill>
+                <a:schemeClr val="dk1"/>
+              </a:solidFill>
+              <a:highlight>
+                <a:srgbClr val="FFFFFF"/>
+              </a:highlight>
+              <a:latin typeface="Times New Roman"/>
+              <a:ea typeface="Times New Roman"/>
+              <a:cs typeface="Times New Roman"/>
+              <a:sym typeface="Times New Roman"/>
+            </a:endParaRPr>
+          </a:p>
+          <a:p>
+            <a:pPr indent="0" lvl="0" marL="914400" rtl="0" algn="l">
+              <a:spcBef>
+                <a:spcPts val="0"/>
+              </a:spcBef>
+              <a:spcAft>
+                <a:spcPts val="0"/>
+              </a:spcAft>
+              <a:buNone/>
+            </a:pPr>
+            <a:r>
+              <a:t/>
+            </a:r>
+            <a:endParaRPr>
+              <a:solidFill>
+                <a:schemeClr val="dk1"/>
+              </a:solidFill>
+              <a:highlight>
+                <a:srgbClr val="FFFFFF"/>
+              </a:highlight>
+              <a:latin typeface="Times New Roman"/>
+              <a:ea typeface="Times New Roman"/>
+              <a:cs typeface="Times New Roman"/>
+              <a:sym typeface="Times New Roman"/>
+            </a:endParaRPr>
+          </a:p>
+          <a:p>
+            <a:pPr indent="-342900" lvl="0" marL="457200" rtl="0" algn="l">
+              <a:spcBef>
+                <a:spcPts val="0"/>
+              </a:spcBef>
+              <a:spcAft>
+                <a:spcPts val="0"/>
+              </a:spcAft>
+              <a:buClr>
+                <a:schemeClr val="dk1"/>
+              </a:buClr>
+              <a:buSzPts val="1800"/>
+              <a:buFont typeface="Times New Roman"/>
+              <a:buChar char="➢"/>
+            </a:pPr>
+            <a:r>
+              <a:rPr b="1" lang="en-US" sz="1800">
+                <a:solidFill>
+                  <a:schemeClr val="dk1"/>
+                </a:solidFill>
+                <a:highlight>
+                  <a:srgbClr val="FFFFFF"/>
+                </a:highlight>
+                <a:latin typeface="Times New Roman"/>
+                <a:ea typeface="Times New Roman"/>
+                <a:cs typeface="Times New Roman"/>
+                <a:sym typeface="Times New Roman"/>
+              </a:rPr>
+              <a:t>Recall: </a:t>
+            </a:r>
+            <a:r>
+              <a:rPr lang="en-US" sz="1800">
+                <a:solidFill>
+                  <a:schemeClr val="dk1"/>
+                </a:solidFill>
+                <a:highlight>
+                  <a:srgbClr val="FFFFFF"/>
+                </a:highlight>
+                <a:latin typeface="Times New Roman"/>
+                <a:ea typeface="Times New Roman"/>
+                <a:cs typeface="Times New Roman"/>
+                <a:sym typeface="Times New Roman"/>
+              </a:rPr>
+              <a:t>It was able to predict outcome “1” with 79% and “0” with 75% relative to total actual positive.</a:t>
             </a:r>
             <a:endParaRPr sz="1800">
               <a:solidFill>
@@ -19577,15 +19659,68 @@
               <a:spcAft>
                 <a:spcPts val="0"/>
               </a:spcAft>
+              <a:buNone/>
+            </a:pPr>
+            <a:r>
+              <a:t/>
+            </a:r>
+            <a:endParaRPr>
+              <a:solidFill>
+                <a:schemeClr val="dk1"/>
+              </a:solidFill>
+              <a:highlight>
+                <a:srgbClr val="FFFFFF"/>
+              </a:highlight>
+              <a:latin typeface="Times New Roman"/>
+              <a:ea typeface="Times New Roman"/>
+              <a:cs typeface="Times New Roman"/>
+              <a:sym typeface="Times New Roman"/>
+            </a:endParaRPr>
+          </a:p>
+          <a:p>
+            <a:pPr indent="-342900" lvl="0" marL="457200" rtl="0" algn="l">
+              <a:spcBef>
+                <a:spcPts val="0"/>
+              </a:spcBef>
+              <a:spcAft>
+                <a:spcPts val="0"/>
+              </a:spcAft>
               <a:buClr>
                 <a:schemeClr val="dk1"/>
               </a:buClr>
-              <a:buSzPts val="1100"/>
-              <a:buFont typeface="Arial"/>
-              <a:buNone/>
+              <a:buSzPts val="1800"/>
+              <a:buFont typeface="Times New Roman"/>
+              <a:buChar char="➢"/>
             </a:pPr>
             <a:r>
-              <a:t/>
+              <a:rPr b="1" lang="en-US" sz="1800">
+                <a:solidFill>
+                  <a:schemeClr val="dk1"/>
+                </a:solidFill>
+                <a:highlight>
+                  <a:srgbClr val="FFFFFF"/>
+                </a:highlight>
+                <a:latin typeface="Times New Roman"/>
+                <a:ea typeface="Times New Roman"/>
+                <a:cs typeface="Times New Roman"/>
+                <a:sym typeface="Times New Roman"/>
+              </a:rPr>
+              <a:t>F1-Score: </a:t>
+            </a:r>
+            <a:r>
+              <a:rPr lang="en-US" sz="1800">
+                <a:solidFill>
+                  <a:schemeClr val="dk1"/>
+                </a:solidFill>
+                <a:highlight>
+                  <a:srgbClr val="FFFFFF"/>
+                </a:highlight>
+                <a:latin typeface="Times New Roman"/>
+                <a:ea typeface="Times New Roman"/>
+                <a:cs typeface="Times New Roman"/>
+                <a:sym typeface="Times New Roman"/>
+              </a:rPr>
+              <a:t> we got .77 for “1” and .76 for “0”</a:t>
             </a:r>
             <a:endParaRPr sz="1800">
               <a:solidFill>
@@ -19601,170 +19736,19 @@
             </a:endParaRPr>
           </a:p>
           <a:p>
-            <a:pPr indent="-342900" lvl="0" marL="457200" rtl="0" algn="l">
-              <a:spcBef>
-                <a:spcPts val="0"/>
-              </a:spcBef>
-              <a:spcAft>
-                <a:spcPts val="0"/>
-              </a:spcAft>
-              <a:buClr>
-                <a:schemeClr val="dk1"/>
-              </a:buClr>
-              <a:buSzPts val="1800"/>
-              <a:buFont typeface="Avenir"/>
-              <a:buAutoNum type="arabicPeriod"/>
+            <a:pPr indent="0" lvl="0" marL="457200" rtl="0" algn="l">
+              <a:spcBef>
+                <a:spcPts val="0"/>
+              </a:spcBef>
+              <a:spcAft>
+                <a:spcPts val="0"/>
+              </a:spcAft>
+              <a:buNone/>
             </a:pPr>
             <a:r>
-              <a:rPr b="1" lang="en-US" sz="1800">
-                <a:solidFill>
-                  <a:schemeClr val="dk1"/>
-                </a:solidFill>
-                <a:highlight>
-                  <a:srgbClr val="FFFFFF"/>
-                </a:highlight>
-                <a:latin typeface="Times New Roman"/>
-                <a:ea typeface="Times New Roman"/>
-                <a:cs typeface="Times New Roman"/>
-                <a:sym typeface="Times New Roman"/>
-              </a:rPr>
-              <a:t>Recall: </a:t>
-            </a:r>
-            <a:r>
-              <a:rPr lang="en-US" sz="1800">
-                <a:solidFill>
-                  <a:schemeClr val="dk1"/>
-                </a:solidFill>
-                <a:highlight>
-                  <a:srgbClr val="FFFFFF"/>
-                </a:highlight>
-                <a:latin typeface="Times New Roman"/>
-                <a:ea typeface="Times New Roman"/>
-                <a:cs typeface="Times New Roman"/>
-                <a:sym typeface="Times New Roman"/>
-              </a:rPr>
-              <a:t>It was able to predict outcome “1” with 79% and “0” with 75% relative to total actual positive.</a:t>
-            </a:r>
-            <a:endParaRPr sz="1800">
-              <a:solidFill>
-                <a:schemeClr val="dk1"/>
-              </a:solidFill>
-              <a:highlight>
-                <a:srgbClr val="FFFFFF"/>
-              </a:highlight>
-              <a:latin typeface="Times New Roman"/>
-              <a:ea typeface="Times New Roman"/>
-              <a:cs typeface="Times New Roman"/>
-              <a:sym typeface="Times New Roman"/>
-            </a:endParaRPr>
-          </a:p>
-          <a:p>
-            <a:pPr indent="0" lvl="0" marL="0" rtl="0" algn="l">
-              <a:spcBef>
-                <a:spcPts val="0"/>
-              </a:spcBef>
-              <a:spcAft>
-                <a:spcPts val="0"/>
-              </a:spcAft>
-              <a:buClr>
-                <a:schemeClr val="dk1"/>
-              </a:buClr>
-              <a:buSzPts val="1100"/>
-              <a:buFont typeface="Arial"/>
-              <a:buNone/>
-            </a:pPr>
-            <a:r>
               <a:t/>
             </a:r>
-            <a:endParaRPr sz="1800">
-              <a:solidFill>
-                <a:schemeClr val="dk1"/>
-              </a:solidFill>
-              <a:highlight>
-                <a:srgbClr val="FFFFFF"/>
-              </a:highlight>
-              <a:latin typeface="Times New Roman"/>
-              <a:ea typeface="Times New Roman"/>
-              <a:cs typeface="Times New Roman"/>
-              <a:sym typeface="Times New Roman"/>
-            </a:endParaRPr>
-          </a:p>
-          <a:p>
-            <a:pPr indent="-342900" lvl="0" marL="457200" rtl="0" algn="l">
-              <a:spcBef>
-                <a:spcPts val="0"/>
-              </a:spcBef>
-              <a:spcAft>
-                <a:spcPts val="0"/>
-              </a:spcAft>
-              <a:buClr>
-                <a:schemeClr val="dk1"/>
-              </a:buClr>
-              <a:buSzPts val="1800"/>
-              <a:buAutoNum type="arabicPeriod"/>
-            </a:pPr>
-            <a:r>
-              <a:rPr b="1" lang="en-US" sz="1800">
-                <a:solidFill>
-                  <a:schemeClr val="dk1"/>
-                </a:solidFill>
-                <a:highlight>
-                  <a:srgbClr val="FFFFFF"/>
-                </a:highlight>
-                <a:latin typeface="Times New Roman"/>
-                <a:ea typeface="Times New Roman"/>
-                <a:cs typeface="Times New Roman"/>
-                <a:sym typeface="Times New Roman"/>
-              </a:rPr>
-              <a:t>F1-Score: </a:t>
-            </a:r>
-            <a:r>
-              <a:rPr lang="en-US" sz="1800">
-                <a:solidFill>
-                  <a:schemeClr val="dk1"/>
-                </a:solidFill>
-                <a:highlight>
-                  <a:srgbClr val="FFFFFF"/>
-                </a:highlight>
-                <a:latin typeface="Times New Roman"/>
-                <a:ea typeface="Times New Roman"/>
-                <a:cs typeface="Times New Roman"/>
-                <a:sym typeface="Times New Roman"/>
-              </a:rPr>
-              <a:t> we got .77 for “1” and .76 for “0”</a:t>
-            </a:r>
-            <a:endParaRPr sz="1800">
-              <a:solidFill>
-                <a:schemeClr val="dk1"/>
-              </a:solidFill>
-              <a:highlight>
-                <a:srgbClr val="FFFFFF"/>
-              </a:highlight>
-              <a:latin typeface="Times New Roman"/>
-              <a:ea typeface="Times New Roman"/>
-              <a:cs typeface="Times New Roman"/>
-              <a:sym typeface="Times New Roman"/>
-            </a:endParaRPr>
-          </a:p>
-          <a:p>
-            <a:pPr indent="0" lvl="0" marL="0" rtl="0" algn="l">
-              <a:spcBef>
-                <a:spcPts val="0"/>
-              </a:spcBef>
-              <a:spcAft>
-                <a:spcPts val="0"/>
-              </a:spcAft>
-              <a:buClr>
-                <a:schemeClr val="dk1"/>
-              </a:buClr>
-              <a:buSzPts val="1100"/>
-              <a:buFont typeface="Arial"/>
-              <a:buNone/>
-            </a:pPr>
-            <a:r>
-              <a:t/>
-            </a:r>
-            <a:endParaRPr sz="1800">
+            <a:endParaRPr>
               <a:solidFill>
                 <a:schemeClr val="dk1"/>
               </a:solidFill>
@@ -19980,7 +19964,7 @@
               <a:buNone/>
             </a:pPr>
             <a:r>
-              <a:rPr lang="en-US" sz="2600">
+              <a:rPr lang="en-US" sz="2400">
                 <a:latin typeface="Times New Roman"/>
                 <a:ea typeface="Times New Roman"/>
                 <a:cs typeface="Times New Roman"/>
@@ -19988,7 +19972,7 @@
               </a:rPr>
               <a:t>We used Python’s Streamlit library to help create a webapp for our heart disease prediction model. </a:t>
             </a:r>
-            <a:endParaRPr sz="2600">
+            <a:endParaRPr sz="2400">
               <a:latin typeface="Times New Roman"/>
               <a:ea typeface="Times New Roman"/>
               <a:cs typeface="Times New Roman"/>
@@ -20159,7 +20143,7 @@
           </a:bodyPr>
           <a:lstStyle/>
           <a:p>
-            <a:pPr indent="0" lvl="0" marL="0" rtl="0" algn="just">
+            <a:pPr indent="-355600" lvl="0" marL="457200" rtl="0" algn="just">
               <a:lnSpc>
                 <a:spcPct val="110000"/>
               </a:lnSpc>
@@ -20169,7 +20153,9 @@
               <a:spcAft>
                 <a:spcPts val="0"/>
               </a:spcAft>
-              <a:buNone/>
+              <a:buSzPts val="2000"/>
+              <a:buFont typeface="Times New Roman"/>
+              <a:buChar char="➢"/>
             </a:pPr>
             <a:r>
               <a:rPr lang="en-US" sz="2000">
@@ -20215,7 +20201,7 @@
             </a:endParaRPr>
           </a:p>
           <a:p>
-            <a:pPr indent="0" lvl="0" marL="0" rtl="0" algn="just">
+            <a:pPr indent="0" lvl="0" marL="457200" rtl="0" algn="just">
               <a:lnSpc>
                 <a:spcPct val="115000"/>
               </a:lnSpc>
@@ -20238,7 +20224,7 @@
             </a:endParaRPr>
           </a:p>
           <a:p>
-            <a:pPr indent="0" lvl="0" marL="0" rtl="0" algn="just">
+            <a:pPr indent="-355600" lvl="0" marL="457200" rtl="0" algn="just">
               <a:lnSpc>
                 <a:spcPct val="115000"/>
               </a:lnSpc>
@@ -20248,7 +20234,9 @@
               <a:spcAft>
                 <a:spcPts val="0"/>
               </a:spcAft>
-              <a:buNone/>
+              <a:buSzPts val="2000"/>
+              <a:buFont typeface="Times New Roman"/>
+              <a:buChar char="➢"/>
             </a:pPr>
             <a:r>
               <a:rPr lang="en-US" sz="2000">
@@ -20452,7 +20440,7 @@
           </a:bodyPr>
           <a:lstStyle/>
           <a:p>
-            <a:pPr indent="0" lvl="0" marL="0" rtl="0" algn="l">
+            <a:pPr indent="-355600" lvl="0" marL="457200" rtl="0" algn="l">
               <a:lnSpc>
                 <a:spcPct val="105000"/>
               </a:lnSpc>
@@ -20462,12 +20450,9 @@
               <a:spcAft>
                 <a:spcPts val="0"/>
               </a:spcAft>
-              <a:buClr>
-                <a:schemeClr val="dk1"/>
-              </a:buClr>
-              <a:buSzPts val="1100"/>
-              <a:buFont typeface="Arial"/>
-              <a:buNone/>
+              <a:buSzPts val="2000"/>
+              <a:buFont typeface="Times New Roman"/>
+              <a:buChar char="➢"/>
             </a:pPr>
             <a:r>
               <a:rPr lang="en-US" sz="2000">
@@ -20486,7 +20471,7 @@
             </a:endParaRPr>
           </a:p>
           <a:p>
-            <a:pPr indent="0" lvl="0" marL="0" rtl="0" algn="l">
+            <a:pPr indent="0" lvl="0" marL="457200" rtl="0" algn="l">
               <a:lnSpc>
                 <a:spcPct val="105000"/>
               </a:lnSpc>
@@ -20496,10 +20481,6 @@
               <a:spcAft>
                 <a:spcPts val="0"/>
               </a:spcAft>
-              <a:buClr>
-                <a:schemeClr val="dk1"/>
-              </a:buClr>
-              <a:buSzPts val="1100"/>
               <a:buNone/>
             </a:pPr>
             <a:r>
@@ -20513,7 +20494,7 @@
             </a:endParaRPr>
           </a:p>
           <a:p>
-            <a:pPr indent="0" lvl="0" marL="0" rtl="0" algn="l">
+            <a:pPr indent="-355600" lvl="0" marL="457200" rtl="0" algn="l">
               <a:lnSpc>
                 <a:spcPct val="105000"/>
               </a:lnSpc>
@@ -20523,12 +20504,9 @@
               <a:spcAft>
                 <a:spcPts val="0"/>
               </a:spcAft>
-              <a:buClr>
-                <a:schemeClr val="dk1"/>
-              </a:buClr>
-              <a:buSzPts val="1100"/>
-              <a:buFont typeface="Arial"/>
-              <a:buNone/>
+              <a:buSzPts val="2000"/>
+              <a:buFont typeface="Times New Roman"/>
+              <a:buChar char="➢"/>
             </a:pPr>
             <a:r>
               <a:rPr lang="en-US" sz="2000">
@@ -20547,7 +20525,7 @@
             </a:endParaRPr>
           </a:p>
           <a:p>
-            <a:pPr indent="0" lvl="0" marL="0" rtl="0" algn="l">
+            <a:pPr indent="0" lvl="0" marL="457200" rtl="0" algn="l">
               <a:lnSpc>
                 <a:spcPct val="105000"/>
               </a:lnSpc>
@@ -20557,10 +20535,6 @@
               <a:spcAft>
                 <a:spcPts val="0"/>
               </a:spcAft>
-              <a:buClr>
-                <a:schemeClr val="dk1"/>
-              </a:buClr>
-              <a:buSzPts val="1100"/>
               <a:buNone/>
             </a:pPr>
             <a:r>
@@ -20574,7 +20548,7 @@
             </a:endParaRPr>
           </a:p>
           <a:p>
-            <a:pPr indent="0" lvl="0" marL="0" rtl="0" algn="l">
+            <a:pPr indent="-355600" lvl="0" marL="457200" rtl="0" algn="l">
               <a:lnSpc>
                 <a:spcPct val="105000"/>
               </a:lnSpc>
@@ -20584,11 +20558,9 @@
               <a:spcAft>
                 <a:spcPts val="0"/>
               </a:spcAft>
-              <a:buClr>
-                <a:schemeClr val="dk1"/>
-              </a:buClr>
-              <a:buSzPts val="1100"/>
-              <a:buNone/>
+              <a:buSzPts val="2000"/>
+              <a:buFont typeface="Times New Roman"/>
+              <a:buChar char="➢"/>
             </a:pPr>
             <a:r>
               <a:rPr lang="en-US" sz="2000">
@@ -20738,17 +20710,12 @@
               <a:buClr>
                 <a:schemeClr val="dk1"/>
               </a:buClr>
-              <a:buSzPct val="100000"/>
+              <a:buSzPct val="90000"/>
               <a:buFont typeface="Arial"/>
               <a:buNone/>
             </a:pPr>
             <a:r>
-              <a:rPr i="0" lang="en-US">
-                <a:latin typeface="Times New Roman"/>
-                <a:ea typeface="Times New Roman"/>
-                <a:cs typeface="Times New Roman"/>
-                <a:sym typeface="Times New Roman"/>
-              </a:rPr>
+              <a:rPr i="0" lang="en-US" sz="4444"/>
               <a:t>Introduction</a:t>
             </a:r>
             <a:br>
@@ -21030,10 +20997,6 @@
                 <a:solidFill>
                   <a:schemeClr val="dk2"/>
                 </a:solidFill>
-                <a:latin typeface="Times New Roman"/>
-                <a:ea typeface="Times New Roman"/>
-                <a:cs typeface="Times New Roman"/>
-                <a:sym typeface="Times New Roman"/>
               </a:rPr>
               <a:t>Purpose</a:t>
             </a:r>
@@ -21041,10 +21004,6 @@
               <a:solidFill>
                 <a:schemeClr val="dk2"/>
               </a:solidFill>
-              <a:latin typeface="Times New Roman"/>
-              <a:ea typeface="Times New Roman"/>
-              <a:cs typeface="Times New Roman"/>
-              <a:sym typeface="Times New Roman"/>
             </a:endParaRPr>
           </a:p>
         </p:txBody>
@@ -21375,14 +21334,10 @@
               <a:buNone/>
             </a:pPr>
             <a:r>
-              <a:rPr b="0" i="0" lang="en-US">
+              <a:rPr i="0" lang="en-US">
                 <a:solidFill>
                   <a:schemeClr val="dk2"/>
                 </a:solidFill>
-                <a:latin typeface="Arial"/>
-                <a:ea typeface="Arial"/>
-                <a:cs typeface="Arial"/>
-                <a:sym typeface="Arial"/>
               </a:rPr>
               <a:t>Data Collection</a:t>
             </a:r>
@@ -21853,7 +21808,7 @@
             </a:pPr>
             <a:r>
               <a:rPr lang="en-US"/>
-              <a:t>Languages/Tools used</a:t>
+              <a:t>Languages / Libraries</a:t>
             </a:r>
             <a:endParaRPr/>
           </a:p>
@@ -21899,8 +21854,12 @@
               <a:buNone/>
             </a:pPr>
             <a:r>
+              <a:rPr b="1" lang="en-US" sz="2000"/>
+              <a:t>Programming Language</a:t>
+            </a:r>
+            <a:r>
               <a:rPr lang="en-US" sz="2000"/>
-              <a:t>Programming Language - Python </a:t>
+              <a:t> - Python </a:t>
             </a:r>
             <a:endParaRPr sz="2000"/>
           </a:p>
@@ -21918,8 +21877,12 @@
               <a:buNone/>
             </a:pPr>
             <a:r>
+              <a:rPr b="1" lang="en-US" sz="2000"/>
+              <a:t>Development Environment </a:t>
+            </a:r>
+            <a:r>
               <a:rPr lang="en-US" sz="2000"/>
-              <a:t>Development Environment - Jupyter notebook</a:t>
+              <a:t>- Jupyter notebook</a:t>
             </a:r>
             <a:endParaRPr sz="2000"/>
           </a:p>
@@ -21937,8 +21900,12 @@
               <a:buNone/>
             </a:pPr>
             <a:r>
+              <a:rPr b="1" lang="en-US" sz="2000"/>
+              <a:t>Data Manipulation and Analysis -</a:t>
+            </a:r>
+            <a:r>
               <a:rPr lang="en-US" sz="2000"/>
-              <a:t>Data Manipulation and Analysis - Pandas Library</a:t>
+              <a:t> Pandas Library</a:t>
             </a:r>
             <a:endParaRPr sz="2000"/>
           </a:p>
@@ -21956,8 +21923,12 @@
               <a:buNone/>
             </a:pPr>
             <a:r>
+              <a:rPr b="1" lang="en-US" sz="2000"/>
+              <a:t>Data Visualization -</a:t>
+            </a:r>
+            <a:r>
               <a:rPr lang="en-US" sz="2000"/>
-              <a:t>Data Visualization - Tableau</a:t>
+              <a:t> Tableau</a:t>
             </a:r>
             <a:endParaRPr sz="2000"/>
           </a:p>
@@ -21975,8 +21946,12 @@
               <a:buNone/>
             </a:pPr>
             <a:r>
+              <a:rPr b="1" lang="en-US" sz="2000"/>
+              <a:t>Machine learning - </a:t>
+            </a:r>
+            <a:r>
               <a:rPr lang="en-US" sz="2000"/>
-              <a:t>Machine learning - Scikit-learn  </a:t>
+              <a:t>Scikit-learn and Pickle Libraries  </a:t>
             </a:r>
             <a:endParaRPr sz="2000"/>
           </a:p>
@@ -21995,7 +21970,7 @@
             </a:pPr>
             <a:r>
               <a:rPr lang="en-US" sz="2000"/>
-              <a:t>Random Forest and Linear Regression</a:t>
+              <a:t>Random Forest and Linear Regression Models</a:t>
             </a:r>
             <a:endParaRPr sz="2000"/>
           </a:p>
@@ -22013,8 +21988,12 @@
               <a:buNone/>
             </a:pPr>
             <a:r>
+              <a:rPr b="1" lang="en-US" sz="2000"/>
+              <a:t>Web Application Development - </a:t>
+            </a:r>
+            <a:r>
               <a:rPr lang="en-US" sz="2000"/>
-              <a:t>Web Application Development - Streamlit</a:t>
+              <a:t>Streamlit (open-source framework)</a:t>
             </a:r>
             <a:endParaRPr sz="1700">
               <a:latin typeface="Times New Roman"/>
@@ -22167,11 +22146,15 @@
                 <a:spcPts val="0"/>
               </a:spcAft>
               <a:buSzPts val="2000"/>
-              <a:buAutoNum type="arabicParenR"/>
+              <a:buChar char="➢"/>
             </a:pPr>
             <a:r>
+              <a:rPr b="1" lang="en-US" sz="2000"/>
+              <a:t>Data Loading: </a:t>
+            </a:r>
+            <a:r>
               <a:rPr lang="en-US" sz="2000"/>
-              <a:t>Data Loading: csv data file into a Pandas DataFrame</a:t>
+              <a:t>csv data file into a Pandas DataFrame</a:t>
             </a:r>
             <a:endParaRPr sz="2000"/>
           </a:p>
@@ -22187,11 +22170,15 @@
                 <a:spcPts val="0"/>
               </a:spcAft>
               <a:buSzPts val="2000"/>
-              <a:buAutoNum type="arabicParenR"/>
+              <a:buChar char="➢"/>
             </a:pPr>
             <a:r>
+              <a:rPr b="1" lang="en-US" sz="2000"/>
+              <a:t>Data Summary: </a:t>
+            </a:r>
+            <a:r>
               <a:rPr lang="en-US" sz="2000"/>
-              <a:t>Data Summary: identifying data types for conversion  </a:t>
+              <a:t>identifying data types for conversion  </a:t>
             </a:r>
             <a:endParaRPr sz="2000"/>
           </a:p>
@@ -22207,11 +22194,15 @@
                 <a:spcPts val="0"/>
               </a:spcAft>
               <a:buSzPts val="2000"/>
-              <a:buAutoNum type="arabicParenR"/>
+              <a:buChar char="➢"/>
             </a:pPr>
             <a:r>
+              <a:rPr b="1" lang="en-US" sz="2000"/>
+              <a:t>Data Cleaning: </a:t>
+            </a:r>
+            <a:r>
               <a:rPr lang="en-US" sz="2000"/>
-              <a:t>Data Cleaning: handling missing values, removing irrelevant </a:t>
+              <a:t>handling missing values, removing irrelevant </a:t>
             </a:r>
             <a:r>
               <a:rPr lang="en-US" sz="2000"/>
@@ -22220,6 +22211,25 @@
             <a:r>
               <a:rPr lang="en-US" sz="2000"/>
               <a:t>, and </a:t>
+            </a:r>
+            <a:endParaRPr sz="2000"/>
+          </a:p>
+          <a:p>
+            <a:pPr indent="0" lvl="0" marL="457200" rtl="0" algn="l">
+              <a:lnSpc>
+                <a:spcPct val="150000"/>
+              </a:lnSpc>
+              <a:spcBef>
+                <a:spcPts val="0"/>
+              </a:spcBef>
+              <a:spcAft>
+                <a:spcPts val="0"/>
+              </a:spcAft>
+              <a:buNone/>
+            </a:pPr>
+            <a:r>
+              <a:rPr lang="en-US" sz="2000"/>
+              <a:t>data transformation</a:t>
             </a:r>
             <a:endParaRPr sz="2000"/>
           </a:p>
@@ -22235,31 +22245,15 @@
                 <a:spcPts val="0"/>
               </a:spcAft>
               <a:buSzPts val="2000"/>
-              <a:buAutoNum type="arabicParenR"/>
+              <a:buChar char="➢"/>
             </a:pPr>
             <a:r>
+              <a:rPr b="1" lang="en-US" sz="2000"/>
+              <a:t>Data Visualization:</a:t>
+            </a:r>
+            <a:r>
               <a:rPr lang="en-US" sz="2000"/>
-              <a:t>data transformation</a:t>
-            </a:r>
-            <a:endParaRPr sz="2000"/>
-          </a:p>
-          <a:p>
-            <a:pPr indent="-355600" lvl="0" marL="457200" rtl="0" algn="l">
-              <a:lnSpc>
-                <a:spcPct val="150000"/>
-              </a:lnSpc>
-              <a:spcBef>
-                <a:spcPts val="0"/>
-              </a:spcBef>
-              <a:spcAft>
-                <a:spcPts val="0"/>
-              </a:spcAft>
-              <a:buSzPts val="2000"/>
-              <a:buAutoNum type="arabicParenR"/>
-            </a:pPr>
-            <a:r>
-              <a:rPr lang="en-US" sz="2000"/>
-              <a:t>Data visualization: gaining insights and patterns identification; relationship between features and target variable </a:t>
+              <a:t> gaining insights and patterns identification; relationship between features and target variable </a:t>
             </a:r>
             <a:endParaRPr sz="2000"/>
           </a:p>
@@ -22427,8 +22421,8 @@
         </p:nvSpPr>
         <p:spPr>
           <a:xfrm>
-            <a:off x="9982650" y="0"/>
-            <a:ext cx="1731600" cy="492600"/>
+            <a:off x="5532125" y="0"/>
+            <a:ext cx="6045000" cy="492600"/>
           </a:xfrm>
           <a:prstGeom prst="rect">
             <a:avLst/>
@@ -22460,7 +22454,7 @@
                 <a:cs typeface="Times New Roman"/>
                 <a:sym typeface="Times New Roman"/>
               </a:rPr>
-              <a:t>Tableau Public</a:t>
+              <a:t>Tableau Public - Heart-disease risk factors relationships </a:t>
             </a:r>
             <a:endParaRPr i="1" sz="2000">
               <a:latin typeface="Times New Roman"/>
@@ -22513,7 +22507,7 @@
         <p:spPr>
           <a:xfrm>
             <a:off x="1691375" y="218000"/>
-            <a:ext cx="8809250" cy="6422000"/>
+            <a:ext cx="8809250" cy="6640001"/>
           </a:xfrm>
           <a:prstGeom prst="rect">
             <a:avLst/>
@@ -22532,8 +22526,8 @@
         </p:nvSpPr>
         <p:spPr>
           <a:xfrm>
-            <a:off x="9982650" y="0"/>
-            <a:ext cx="1731600" cy="492600"/>
+            <a:off x="5532125" y="0"/>
+            <a:ext cx="6045000" cy="492600"/>
           </a:xfrm>
           <a:prstGeom prst="rect">
             <a:avLst/>
@@ -22565,7 +22559,7 @@
                 <a:cs typeface="Times New Roman"/>
                 <a:sym typeface="Times New Roman"/>
               </a:rPr>
-              <a:t>Tableau Public</a:t>
+              <a:t>Tableau Public - Heart-disease risk factors relationships </a:t>
             </a:r>
             <a:endParaRPr i="1" sz="2000">
               <a:latin typeface="Times New Roman"/>
@@ -22618,7 +22612,7 @@
         <p:spPr>
           <a:xfrm>
             <a:off x="1673250" y="474675"/>
-            <a:ext cx="8845500" cy="6134100"/>
+            <a:ext cx="8845500" cy="6383325"/>
           </a:xfrm>
           <a:prstGeom prst="rect">
             <a:avLst/>
@@ -22680,8 +22674,8 @@
         </p:nvSpPr>
         <p:spPr>
           <a:xfrm>
-            <a:off x="9982650" y="0"/>
-            <a:ext cx="1731600" cy="492600"/>
+            <a:off x="5532125" y="0"/>
+            <a:ext cx="6045000" cy="492600"/>
           </a:xfrm>
           <a:prstGeom prst="rect">
             <a:avLst/>
@@ -22713,7 +22707,7 @@
                 <a:cs typeface="Times New Roman"/>
                 <a:sym typeface="Times New Roman"/>
               </a:rPr>
-              <a:t>Tableau Public</a:t>
+              <a:t>Tableau Public - Heart-disease risk factors relationships </a:t>
             </a:r>
             <a:endParaRPr i="1" sz="2000">
               <a:latin typeface="Times New Roman"/>
@@ -22733,9 +22727,9 @@
 </file>
 
 <file path=ppt/theme/theme1.xml><?xml version="1.0" encoding="utf-8"?>
-<a:theme xmlns:a="http://schemas.openxmlformats.org/drawingml/2006/main" xmlns:r="http://schemas.openxmlformats.org/officeDocument/2006/relationships">
+<a:theme xmlns:a="http://schemas.openxmlformats.org/drawingml/2006/main" xmlns:r="http://schemas.openxmlformats.org/officeDocument/2006/relationships" name="AccentBoxVTI">
   <a:themeElements>
-    <a:clrScheme name="Default">
+    <a:clrScheme name="AccentBoxVTI">
       <a:dk1>
         <a:srgbClr val="000000"/>
       </a:dk1>
@@ -22743,34 +22737,34 @@
         <a:srgbClr val="FFFFFF"/>
       </a:lt1>
       <a:dk2>
-        <a:srgbClr val="158158"/>
+        <a:srgbClr val="262626"/>
       </a:dk2>
       <a:lt2>
-        <a:srgbClr val="F3F3F3"/>
+        <a:srgbClr val="FFFFFF"/>
       </a:lt2>
       <a:accent1>
-        <a:srgbClr val="058DC7"/>
+        <a:srgbClr val="F5A700"/>
       </a:accent1>
       <a:accent2>
-        <a:srgbClr val="50B432"/>
+        <a:srgbClr val="00A5AB"/>
       </a:accent2>
       <a:accent3>
-        <a:srgbClr val="ED561B"/>
+        <a:srgbClr val="09963B"/>
       </a:accent3>
       <a:accent4>
-        <a:srgbClr val="EDEF00"/>
+        <a:srgbClr val="E64823"/>
       </a:accent4>
       <a:accent5>
-        <a:srgbClr val="24CBE5"/>
+        <a:srgbClr val="9C6A6A"/>
       </a:accent5>
       <a:accent6>
-        <a:srgbClr val="64E572"/>
+        <a:srgbClr val="824F8C"/>
       </a:accent6>
       <a:hlink>
-        <a:srgbClr val="2200CC"/>
+        <a:srgbClr val="2998E3"/>
       </a:hlink>
       <a:folHlink>
-        <a:srgbClr val="551A8B"/>
+        <a:srgbClr val="7F723D"/>
       </a:folHlink>
     </a:clrScheme>
     <a:fontScheme name="Office">
@@ -23291,9 +23285,9 @@
 </file>
 
 <file path=ppt/theme/theme3.xml><?xml version="1.0" encoding="utf-8"?>
-<a:theme xmlns:a="http://schemas.openxmlformats.org/drawingml/2006/main" xmlns:r="http://schemas.openxmlformats.org/officeDocument/2006/relationships" name="AccentBoxVTI">
+<a:theme xmlns:a="http://schemas.openxmlformats.org/drawingml/2006/main" xmlns:r="http://schemas.openxmlformats.org/officeDocument/2006/relationships">
   <a:themeElements>
-    <a:clrScheme name="AccentBoxVTI">
+    <a:clrScheme name="Default">
       <a:dk1>
         <a:srgbClr val="000000"/>
       </a:dk1>
@@ -23301,34 +23295,34 @@
         <a:srgbClr val="FFFFFF"/>
       </a:lt1>
       <a:dk2>
-        <a:srgbClr val="262626"/>
+        <a:srgbClr val="158158"/>
       </a:dk2>
       <a:lt2>
-        <a:srgbClr val="FFFFFF"/>
+        <a:srgbClr val="F3F3F3"/>
       </a:lt2>
       <a:accent1>
-        <a:srgbClr val="F5A700"/>
+        <a:srgbClr val="058DC7"/>
       </a:accent1>
       <a:accent2>
-        <a:srgbClr val="00A5AB"/>
+        <a:srgbClr val="50B432"/>
       </a:accent2>
       <a:accent3>
-        <a:srgbClr val="09963B"/>
+        <a:srgbClr val="ED561B"/>
       </a:accent3>
       <a:accent4>
-        <a:srgbClr val="E64823"/>
+        <a:srgbClr val="EDEF00"/>
       </a:accent4>
       <a:accent5>
-        <a:srgbClr val="9C6A6A"/>
+        <a:srgbClr val="24CBE5"/>
       </a:accent5>
       <a:accent6>
-        <a:srgbClr val="824F8C"/>
+        <a:srgbClr val="64E572"/>
       </a:accent6>
       <a:hlink>
-        <a:srgbClr val="2998E3"/>
+        <a:srgbClr val="2200CC"/>
       </a:hlink>
       <a:folHlink>
-        <a:srgbClr val="7F723D"/>
+        <a:srgbClr val="551A8B"/>
       </a:folHlink>
     </a:clrScheme>
     <a:fontScheme name="Office">

--- a/Project Presentation.pptx
+++ b/Project Presentation.pptx
@@ -23006,6 +23006,285 @@
 </file>
 
 <file path=ppt/theme/theme2.xml><?xml version="1.0" encoding="utf-8"?>
+<a:theme xmlns:a="http://schemas.openxmlformats.org/drawingml/2006/main" xmlns:r="http://schemas.openxmlformats.org/officeDocument/2006/relationships">
+  <a:themeElements>
+    <a:clrScheme name="Default">
+      <a:dk1>
+        <a:srgbClr val="000000"/>
+      </a:dk1>
+      <a:lt1>
+        <a:srgbClr val="FFFFFF"/>
+      </a:lt1>
+      <a:dk2>
+        <a:srgbClr val="158158"/>
+      </a:dk2>
+      <a:lt2>
+        <a:srgbClr val="F3F3F3"/>
+      </a:lt2>
+      <a:accent1>
+        <a:srgbClr val="058DC7"/>
+      </a:accent1>
+      <a:accent2>
+        <a:srgbClr val="50B432"/>
+      </a:accent2>
+      <a:accent3>
+        <a:srgbClr val="ED561B"/>
+      </a:accent3>
+      <a:accent4>
+        <a:srgbClr val="EDEF00"/>
+      </a:accent4>
+      <a:accent5>
+        <a:srgbClr val="24CBE5"/>
+      </a:accent5>
+      <a:accent6>
+        <a:srgbClr val="64E572"/>
+      </a:accent6>
+      <a:hlink>
+        <a:srgbClr val="2200CC"/>
+      </a:hlink>
+      <a:folHlink>
+        <a:srgbClr val="551A8B"/>
+      </a:folHlink>
+    </a:clrScheme>
+    <a:fontScheme name="Office">
+      <a:majorFont>
+        <a:latin typeface="Arial"/>
+        <a:ea typeface=""/>
+        <a:cs typeface=""/>
+        <a:font script="Jpan" typeface="ＭＳ Ｐゴシック"/>
+        <a:font script="Hang" typeface="맑은 고딕"/>
+        <a:font script="Hans" typeface="宋体"/>
+        <a:font script="Hant" typeface="新細明體"/>
+        <a:font script="Arab" typeface="Times New Roman"/>
+        <a:font script="Hebr" typeface="Times New Roman"/>
+        <a:font script="Thai" typeface="Angsana New"/>
+        <a:font script="Ethi" typeface="Nyala"/>
+        <a:font script="Beng" typeface="Vrinda"/>
+        <a:font script="Gujr" typeface="Shruti"/>
+        <a:font script="Khmr" typeface="MoolBoran"/>
+        <a:font script="Knda" typeface="Tunga"/>
+        <a:font script="Guru" typeface="Raavi"/>
+        <a:font script="Cans" typeface="Euphemia"/>
+        <a:font script="Cher" typeface="Plantagenet Cherokee"/>
+        <a:font script="Yiii" typeface="Microsoft Yi Baiti"/>
+        <a:font script="Tibt" typeface="Microsoft Himalaya"/>
+        <a:font script="Thaa" typeface="MV Boli"/>
+        <a:font script="Deva" typeface="Mangal"/>
+        <a:font script="Telu" typeface="Gautami"/>
+        <a:font script="Taml" typeface="Latha"/>
+        <a:font script="Syrc" typeface="Estrangelo Edessa"/>
+        <a:font script="Orya" typeface="Kalinga"/>
+        <a:font script="Mlym" typeface="Kartika"/>
+        <a:font script="Laoo" typeface="DokChampa"/>
+        <a:font script="Sinh" typeface="Iskoola Pota"/>
+        <a:font script="Mong" typeface="Mongolian Baiti"/>
+        <a:font script="Viet" typeface="Times New Roman"/>
+        <a:font script="Uigh" typeface="Microsoft Uighur"/>
+        <a:font script="Geor" typeface="Sylfaen"/>
+      </a:majorFont>
+      <a:minorFont>
+        <a:latin typeface="Arial"/>
+        <a:ea typeface=""/>
+        <a:cs typeface=""/>
+        <a:font script="Jpan" typeface="ＭＳ Ｐゴシック"/>
+        <a:font script="Hang" typeface="맑은 고딕"/>
+        <a:font script="Hans" typeface="宋体"/>
+        <a:font script="Hant" typeface="新細明體"/>
+        <a:font script="Arab" typeface="Arial"/>
+        <a:font script="Hebr" typeface="Arial"/>
+        <a:font script="Thai" typeface="Cordia New"/>
+        <a:font script="Ethi" typeface="Nyala"/>
+        <a:font script="Beng" typeface="Vrinda"/>
+        <a:font script="Gujr" typeface="Shruti"/>
+        <a:font script="Khmr" typeface="DaunPenh"/>
+        <a:font script="Knda" typeface="Tunga"/>
+        <a:font script="Guru" typeface="Raavi"/>
+        <a:font script="Cans" typeface="Euphemia"/>
+        <a:font script="Cher" typeface="Plantagenet Cherokee"/>
+        <a:font script="Yiii" typeface="Microsoft Yi Baiti"/>
+        <a:font script="Tibt" typeface="Microsoft Himalaya"/>
+        <a:font script="Thaa" typeface="MV Boli"/>
+        <a:font script="Deva" typeface="Mangal"/>
+        <a:font script="Telu" typeface="Gautami"/>
+        <a:font script="Taml" typeface="Latha"/>
+        <a:font script="Syrc" typeface="Estrangelo Edessa"/>
+        <a:font script="Orya" typeface="Kalinga"/>
+        <a:font script="Mlym" typeface="Kartika"/>
+        <a:font script="Laoo" typeface="DokChampa"/>
+        <a:font script="Sinh" typeface="Iskoola Pota"/>
+        <a:font script="Mong" typeface="Mongolian Baiti"/>
+        <a:font script="Viet" typeface="Arial"/>
+        <a:font script="Uigh" typeface="Microsoft Uighur"/>
+        <a:font script="Geor" typeface="Sylfaen"/>
+      </a:minorFont>
+    </a:fontScheme>
+    <a:fmtScheme name="Office">
+      <a:fillStyleLst>
+        <a:solidFill>
+          <a:schemeClr val="phClr"/>
+        </a:solidFill>
+        <a:gradFill rotWithShape="1">
+          <a:gsLst>
+            <a:gs pos="0">
+              <a:schemeClr val="phClr">
+                <a:tint val="50000"/>
+                <a:satMod val="300000"/>
+              </a:schemeClr>
+            </a:gs>
+            <a:gs pos="35000">
+              <a:schemeClr val="phClr">
+                <a:tint val="37000"/>
+                <a:satMod val="300000"/>
+              </a:schemeClr>
+            </a:gs>
+            <a:gs pos="100000">
+              <a:schemeClr val="phClr">
+                <a:tint val="15000"/>
+                <a:satMod val="350000"/>
+              </a:schemeClr>
+            </a:gs>
+          </a:gsLst>
+          <a:lin ang="16200000" scaled="1"/>
+        </a:gradFill>
+        <a:gradFill rotWithShape="1">
+          <a:gsLst>
+            <a:gs pos="0">
+              <a:schemeClr val="phClr">
+                <a:tint val="100000"/>
+                <a:shade val="100000"/>
+                <a:satMod val="130000"/>
+              </a:schemeClr>
+            </a:gs>
+            <a:gs pos="100000">
+              <a:schemeClr val="phClr">
+                <a:tint val="50000"/>
+                <a:shade val="100000"/>
+                <a:satMod val="350000"/>
+              </a:schemeClr>
+            </a:gs>
+          </a:gsLst>
+          <a:lin ang="16200000" scaled="0"/>
+        </a:gradFill>
+      </a:fillStyleLst>
+      <a:lnStyleLst>
+        <a:ln w="9525" cap="flat" cmpd="sng" algn="ctr">
+          <a:solidFill>
+            <a:schemeClr val="phClr">
+              <a:shade val="95000"/>
+              <a:satMod val="105000"/>
+            </a:schemeClr>
+          </a:solidFill>
+          <a:prstDash val="solid"/>
+        </a:ln>
+        <a:ln w="25400" cap="flat" cmpd="sng" algn="ctr">
+          <a:solidFill>
+            <a:schemeClr val="phClr"/>
+          </a:solidFill>
+          <a:prstDash val="solid"/>
+        </a:ln>
+        <a:ln w="38100" cap="flat" cmpd="sng" algn="ctr">
+          <a:solidFill>
+            <a:schemeClr val="phClr"/>
+          </a:solidFill>
+          <a:prstDash val="solid"/>
+        </a:ln>
+      </a:lnStyleLst>
+      <a:effectStyleLst>
+        <a:effectStyle>
+          <a:effectLst>
+            <a:outerShdw blurRad="40000" dist="20000" dir="5400000" rotWithShape="0">
+              <a:srgbClr val="000000">
+                <a:alpha val="38000"/>
+              </a:srgbClr>
+            </a:outerShdw>
+          </a:effectLst>
+        </a:effectStyle>
+        <a:effectStyle>
+          <a:effectLst>
+            <a:outerShdw blurRad="40000" dist="23000" dir="5400000" rotWithShape="0">
+              <a:srgbClr val="000000">
+                <a:alpha val="35000"/>
+              </a:srgbClr>
+            </a:outerShdw>
+          </a:effectLst>
+        </a:effectStyle>
+        <a:effectStyle>
+          <a:effectLst>
+            <a:outerShdw blurRad="40000" dist="23000" dir="5400000" rotWithShape="0">
+              <a:srgbClr val="000000">
+                <a:alpha val="35000"/>
+              </a:srgbClr>
+            </a:outerShdw>
+          </a:effectLst>
+          <a:scene3d>
+            <a:camera prst="orthographicFront">
+              <a:rot lat="0" lon="0" rev="0"/>
+            </a:camera>
+            <a:lightRig rig="threePt" dir="t">
+              <a:rot lat="0" lon="0" rev="1200000"/>
+            </a:lightRig>
+          </a:scene3d>
+          <a:sp3d>
+            <a:bevelT w="63500" h="25400"/>
+          </a:sp3d>
+        </a:effectStyle>
+      </a:effectStyleLst>
+      <a:bgFillStyleLst>
+        <a:solidFill>
+          <a:schemeClr val="phClr"/>
+        </a:solidFill>
+        <a:gradFill rotWithShape="1">
+          <a:gsLst>
+            <a:gs pos="0">
+              <a:schemeClr val="phClr">
+                <a:tint val="40000"/>
+                <a:satMod val="350000"/>
+              </a:schemeClr>
+            </a:gs>
+            <a:gs pos="40000">
+              <a:schemeClr val="phClr">
+                <a:tint val="45000"/>
+                <a:shade val="99000"/>
+                <a:satMod val="350000"/>
+              </a:schemeClr>
+            </a:gs>
+            <a:gs pos="100000">
+              <a:schemeClr val="phClr">
+                <a:shade val="20000"/>
+                <a:satMod val="255000"/>
+              </a:schemeClr>
+            </a:gs>
+          </a:gsLst>
+          <a:path path="circle">
+            <a:fillToRect l="50000" t="-80000" r="50000" b="180000"/>
+          </a:path>
+        </a:gradFill>
+        <a:gradFill rotWithShape="1">
+          <a:gsLst>
+            <a:gs pos="0">
+              <a:schemeClr val="phClr">
+                <a:tint val="80000"/>
+                <a:satMod val="300000"/>
+              </a:schemeClr>
+            </a:gs>
+            <a:gs pos="100000">
+              <a:schemeClr val="phClr">
+                <a:shade val="30000"/>
+                <a:satMod val="200000"/>
+              </a:schemeClr>
+            </a:gs>
+          </a:gsLst>
+          <a:path path="circle">
+            <a:fillToRect l="50000" t="50000" r="50000" b="50000"/>
+          </a:path>
+        </a:gradFill>
+      </a:bgFillStyleLst>
+    </a:fmtScheme>
+  </a:themeElements>
+</a:theme>
+</file>
+
+<file path=ppt/theme/theme3.xml><?xml version="1.0" encoding="utf-8"?>
 <a:theme xmlns:a="http://schemas.openxmlformats.org/drawingml/2006/main" xmlns:r="http://schemas.openxmlformats.org/officeDocument/2006/relationships" name="AccentBoxVTI">
   <a:themeElements>
     <a:clrScheme name="AccentBoxVTI">
@@ -23282,283 +23561,4 @@
     </a:fmtScheme>
   </a:themeElements>
 </a:theme>
-</file>
-
-<file path=ppt/theme/theme3.xml><?xml version="1.0" encoding="utf-8"?>
-<a:theme xmlns:a="http://schemas.openxmlformats.org/drawingml/2006/main" xmlns:r="http://schemas.openxmlformats.org/officeDocument/2006/relationships">
-  <a:themeElements>
-    <a:clrScheme name="Default">
-      <a:dk1>
-        <a:srgbClr val="000000"/>
-      </a:dk1>
-      <a:lt1>
-        <a:srgbClr val="FFFFFF"/>
-      </a:lt1>
-      <a:dk2>
-        <a:srgbClr val="158158"/>
-      </a:dk2>
-      <a:lt2>
-        <a:srgbClr val="F3F3F3"/>
-      </a:lt2>
-      <a:accent1>
-        <a:srgbClr val="058DC7"/>
-      </a:accent1>
-      <a:accent2>
-        <a:srgbClr val="50B432"/>
-      </a:accent2>
-      <a:accent3>
-        <a:srgbClr val="ED561B"/>
-      </a:accent3>
-      <a:accent4>
-        <a:srgbClr val="EDEF00"/>
-      </a:accent4>
-      <a:accent5>
-        <a:srgbClr val="24CBE5"/>
-      </a:accent5>
-      <a:accent6>
-        <a:srgbClr val="64E572"/>
-      </a:accent6>
-      <a:hlink>
-        <a:srgbClr val="2200CC"/>
-      </a:hlink>
-      <a:folHlink>
-        <a:srgbClr val="551A8B"/>
-      </a:folHlink>
-    </a:clrScheme>
-    <a:fontScheme name="Office">
-      <a:majorFont>
-        <a:latin typeface="Arial"/>
-        <a:ea typeface=""/>
-        <a:cs typeface=""/>
-        <a:font script="Jpan" typeface="ＭＳ Ｐゴシック"/>
-        <a:font script="Hang" typeface="맑은 고딕"/>
-        <a:font script="Hans" typeface="宋体"/>
-        <a:font script="Hant" typeface="新細明體"/>
-        <a:font script="Arab" typeface="Times New Roman"/>
-        <a:font script="Hebr" typeface="Times New Roman"/>
-        <a:font script="Thai" typeface="Angsana New"/>
-        <a:font script="Ethi" typeface="Nyala"/>
-        <a:font script="Beng" typeface="Vrinda"/>
-        <a:font script="Gujr" typeface="Shruti"/>
-        <a:font script="Khmr" typeface="MoolBoran"/>
-        <a:font script="Knda" typeface="Tunga"/>
-        <a:font script="Guru" typeface="Raavi"/>
-        <a:font script="Cans" typeface="Euphemia"/>
-        <a:font script="Cher" typeface="Plantagenet Cherokee"/>
-        <a:font script="Yiii" typeface="Microsoft Yi Baiti"/>
-        <a:font script="Tibt" typeface="Microsoft Himalaya"/>
-        <a:font script="Thaa" typeface="MV Boli"/>
-        <a:font script="Deva" typeface="Mangal"/>
-        <a:font script="Telu" typeface="Gautami"/>
-        <a:font script="Taml" typeface="Latha"/>
-        <a:font script="Syrc" typeface="Estrangelo Edessa"/>
-        <a:font script="Orya" typeface="Kalinga"/>
-        <a:font script="Mlym" typeface="Kartika"/>
-        <a:font script="Laoo" typeface="DokChampa"/>
-        <a:font script="Sinh" typeface="Iskoola Pota"/>
-        <a:font script="Mong" typeface="Mongolian Baiti"/>
-        <a:font script="Viet" typeface="Times New Roman"/>
-        <a:font script="Uigh" typeface="Microsoft Uighur"/>
-        <a:font script="Geor" typeface="Sylfaen"/>
-      </a:majorFont>
-      <a:minorFont>
-        <a:latin typeface="Arial"/>
-        <a:ea typeface=""/>
-        <a:cs typeface=""/>
-        <a:font script="Jpan" typeface="ＭＳ Ｐゴシック"/>
-        <a:font script="Hang" typeface="맑은 고딕"/>
-        <a:font script="Hans" typeface="宋体"/>
-        <a:font script="Hant" typeface="新細明體"/>
-        <a:font script="Arab" typeface="Arial"/>
-        <a:font script="Hebr" typeface="Arial"/>
-        <a:font script="Thai" typeface="Cordia New"/>
-        <a:font script="Ethi" typeface="Nyala"/>
-        <a:font script="Beng" typeface="Vrinda"/>
-        <a:font script="Gujr" typeface="Shruti"/>
-        <a:font script="Khmr" typeface="DaunPenh"/>
-        <a:font script="Knda" typeface="Tunga"/>
-        <a:font script="Guru" typeface="Raavi"/>
-        <a:font script="Cans" typeface="Euphemia"/>
-        <a:font script="Cher" typeface="Plantagenet Cherokee"/>
-        <a:font script="Yiii" typeface="Microsoft Yi Baiti"/>
-        <a:font script="Tibt" typeface="Microsoft Himalaya"/>
-        <a:font script="Thaa" typeface="MV Boli"/>
-        <a:font script="Deva" typeface="Mangal"/>
-        <a:font script="Telu" typeface="Gautami"/>
-        <a:font script="Taml" typeface="Latha"/>
-        <a:font script="Syrc" typeface="Estrangelo Edessa"/>
-        <a:font script="Orya" typeface="Kalinga"/>
-        <a:font script="Mlym" typeface="Kartika"/>
-        <a:font script="Laoo" typeface="DokChampa"/>
-        <a:font script="Sinh" typeface="Iskoola Pota"/>
-        <a:font script="Mong" typeface="Mongolian Baiti"/>
-        <a:font script="Viet" typeface="Arial"/>
-        <a:font script="Uigh" typeface="Microsoft Uighur"/>
-        <a:font script="Geor" typeface="Sylfaen"/>
-      </a:minorFont>
-    </a:fontScheme>
-    <a:fmtScheme name="Office">
-      <a:fillStyleLst>
-        <a:solidFill>
-          <a:schemeClr val="phClr"/>
-        </a:solidFill>
-        <a:gradFill rotWithShape="1">
-          <a:gsLst>
-            <a:gs pos="0">
-              <a:schemeClr val="phClr">
-                <a:tint val="50000"/>
-                <a:satMod val="300000"/>
-              </a:schemeClr>
-            </a:gs>
-            <a:gs pos="35000">
-              <a:schemeClr val="phClr">
-                <a:tint val="37000"/>
-                <a:satMod val="300000"/>
-              </a:schemeClr>
-            </a:gs>
-            <a:gs pos="100000">
-              <a:schemeClr val="phClr">
-                <a:tint val="15000"/>
-                <a:satMod val="350000"/>
-              </a:schemeClr>
-            </a:gs>
-          </a:gsLst>
-          <a:lin ang="16200000" scaled="1"/>
-        </a:gradFill>
-        <a:gradFill rotWithShape="1">
-          <a:gsLst>
-            <a:gs pos="0">
-              <a:schemeClr val="phClr">
-                <a:tint val="100000"/>
-                <a:shade val="100000"/>
-                <a:satMod val="130000"/>
-              </a:schemeClr>
-            </a:gs>
-            <a:gs pos="100000">
-              <a:schemeClr val="phClr">
-                <a:tint val="50000"/>
-                <a:shade val="100000"/>
-                <a:satMod val="350000"/>
-              </a:schemeClr>
-            </a:gs>
-          </a:gsLst>
-          <a:lin ang="16200000" scaled="0"/>
-        </a:gradFill>
-      </a:fillStyleLst>
-      <a:lnStyleLst>
-        <a:ln w="9525" cap="flat" cmpd="sng" algn="ctr">
-          <a:solidFill>
-            <a:schemeClr val="phClr">
-              <a:shade val="95000"/>
-              <a:satMod val="105000"/>
-            </a:schemeClr>
-          </a:solidFill>
-          <a:prstDash val="solid"/>
-        </a:ln>
-        <a:ln w="25400" cap="flat" cmpd="sng" algn="ctr">
-          <a:solidFill>
-            <a:schemeClr val="phClr"/>
-          </a:solidFill>
-          <a:prstDash val="solid"/>
-        </a:ln>
-        <a:ln w="38100" cap="flat" cmpd="sng" algn="ctr">
-          <a:solidFill>
-            <a:schemeClr val="phClr"/>
-          </a:solidFill>
-          <a:prstDash val="solid"/>
-        </a:ln>
-      </a:lnStyleLst>
-      <a:effectStyleLst>
-        <a:effectStyle>
-          <a:effectLst>
-            <a:outerShdw blurRad="40000" dist="20000" dir="5400000" rotWithShape="0">
-              <a:srgbClr val="000000">
-                <a:alpha val="38000"/>
-              </a:srgbClr>
-            </a:outerShdw>
-          </a:effectLst>
-        </a:effectStyle>
-        <a:effectStyle>
-          <a:effectLst>
-            <a:outerShdw blurRad="40000" dist="23000" dir="5400000" rotWithShape="0">
-              <a:srgbClr val="000000">
-                <a:alpha val="35000"/>
-              </a:srgbClr>
-            </a:outerShdw>
-          </a:effectLst>
-        </a:effectStyle>
-        <a:effectStyle>
-          <a:effectLst>
-            <a:outerShdw blurRad="40000" dist="23000" dir="5400000" rotWithShape="0">
-              <a:srgbClr val="000000">
-                <a:alpha val="35000"/>
-              </a:srgbClr>
-            </a:outerShdw>
-          </a:effectLst>
-          <a:scene3d>
-            <a:camera prst="orthographicFront">
-              <a:rot lat="0" lon="0" rev="0"/>
-            </a:camera>
-            <a:lightRig rig="threePt" dir="t">
-              <a:rot lat="0" lon="0" rev="1200000"/>
-            </a:lightRig>
-          </a:scene3d>
-          <a:sp3d>
-            <a:bevelT w="63500" h="25400"/>
-          </a:sp3d>
-        </a:effectStyle>
-      </a:effectStyleLst>
-      <a:bgFillStyleLst>
-        <a:solidFill>
-          <a:schemeClr val="phClr"/>
-        </a:solidFill>
-        <a:gradFill rotWithShape="1">
-          <a:gsLst>
-            <a:gs pos="0">
-              <a:schemeClr val="phClr">
-                <a:tint val="40000"/>
-                <a:satMod val="350000"/>
-              </a:schemeClr>
-            </a:gs>
-            <a:gs pos="40000">
-              <a:schemeClr val="phClr">
-                <a:tint val="45000"/>
-                <a:shade val="99000"/>
-                <a:satMod val="350000"/>
-              </a:schemeClr>
-            </a:gs>
-            <a:gs pos="100000">
-              <a:schemeClr val="phClr">
-                <a:shade val="20000"/>
-                <a:satMod val="255000"/>
-              </a:schemeClr>
-            </a:gs>
-          </a:gsLst>
-          <a:path path="circle">
-            <a:fillToRect l="50000" t="-80000" r="50000" b="180000"/>
-          </a:path>
-        </a:gradFill>
-        <a:gradFill rotWithShape="1">
-          <a:gsLst>
-            <a:gs pos="0">
-              <a:schemeClr val="phClr">
-                <a:tint val="80000"/>
-                <a:satMod val="300000"/>
-              </a:schemeClr>
-            </a:gs>
-            <a:gs pos="100000">
-              <a:schemeClr val="phClr">
-                <a:shade val="30000"/>
-                <a:satMod val="200000"/>
-              </a:schemeClr>
-            </a:gs>
-          </a:gsLst>
-          <a:path path="circle">
-            <a:fillToRect l="50000" t="50000" r="50000" b="50000"/>
-          </a:path>
-        </a:gradFill>
-      </a:bgFillStyleLst>
-    </a:fmtScheme>
-  </a:themeElements>
-</a:theme>
 </file>